--- a/OR_mock-up.pptx
+++ b/OR_mock-up.pptx
@@ -112,6 +112,11 @@
       </a:defRPr>
     </a:lvl9pPr>
   </p:defaultTextStyle>
+  <p:extLst>
+    <p:ext uri="{EFAFB233-063F-42B5-8137-9DF3F51BA10A}">
+      <p15:sldGuideLst xmlns:p15="http://schemas.microsoft.com/office/powerpoint/2012/main"/>
+    </p:ext>
+  </p:extLst>
 </p:presentation>
 </file>
 
@@ -262,7 +267,7 @@
           <a:p>
             <a:fld id="{F4B479B4-3132-E349-B8E6-E80A8B379973}" type="datetimeFigureOut">
               <a:rPr lang="en-US" smtClean="0"/>
-              <a:t>3/29/22</a:t>
+              <a:t>3/30/22</a:t>
             </a:fld>
             <a:endParaRPr lang="en-US"/>
           </a:p>
@@ -460,7 +465,7 @@
           <a:p>
             <a:fld id="{F4B479B4-3132-E349-B8E6-E80A8B379973}" type="datetimeFigureOut">
               <a:rPr lang="en-US" smtClean="0"/>
-              <a:t>3/29/22</a:t>
+              <a:t>3/30/22</a:t>
             </a:fld>
             <a:endParaRPr lang="en-US"/>
           </a:p>
@@ -668,7 +673,7 @@
           <a:p>
             <a:fld id="{F4B479B4-3132-E349-B8E6-E80A8B379973}" type="datetimeFigureOut">
               <a:rPr lang="en-US" smtClean="0"/>
-              <a:t>3/29/22</a:t>
+              <a:t>3/30/22</a:t>
             </a:fld>
             <a:endParaRPr lang="en-US"/>
           </a:p>
@@ -866,7 +871,7 @@
           <a:p>
             <a:fld id="{F4B479B4-3132-E349-B8E6-E80A8B379973}" type="datetimeFigureOut">
               <a:rPr lang="en-US" smtClean="0"/>
-              <a:t>3/29/22</a:t>
+              <a:t>3/30/22</a:t>
             </a:fld>
             <a:endParaRPr lang="en-US"/>
           </a:p>
@@ -1141,7 +1146,7 @@
           <a:p>
             <a:fld id="{F4B479B4-3132-E349-B8E6-E80A8B379973}" type="datetimeFigureOut">
               <a:rPr lang="en-US" smtClean="0"/>
-              <a:t>3/29/22</a:t>
+              <a:t>3/30/22</a:t>
             </a:fld>
             <a:endParaRPr lang="en-US"/>
           </a:p>
@@ -1406,7 +1411,7 @@
           <a:p>
             <a:fld id="{F4B479B4-3132-E349-B8E6-E80A8B379973}" type="datetimeFigureOut">
               <a:rPr lang="en-US" smtClean="0"/>
-              <a:t>3/29/22</a:t>
+              <a:t>3/30/22</a:t>
             </a:fld>
             <a:endParaRPr lang="en-US"/>
           </a:p>
@@ -1818,7 +1823,7 @@
           <a:p>
             <a:fld id="{F4B479B4-3132-E349-B8E6-E80A8B379973}" type="datetimeFigureOut">
               <a:rPr lang="en-US" smtClean="0"/>
-              <a:t>3/29/22</a:t>
+              <a:t>3/30/22</a:t>
             </a:fld>
             <a:endParaRPr lang="en-US"/>
           </a:p>
@@ -1959,7 +1964,7 @@
           <a:p>
             <a:fld id="{F4B479B4-3132-E349-B8E6-E80A8B379973}" type="datetimeFigureOut">
               <a:rPr lang="en-US" smtClean="0"/>
-              <a:t>3/29/22</a:t>
+              <a:t>3/30/22</a:t>
             </a:fld>
             <a:endParaRPr lang="en-US"/>
           </a:p>
@@ -2072,7 +2077,7 @@
           <a:p>
             <a:fld id="{F4B479B4-3132-E349-B8E6-E80A8B379973}" type="datetimeFigureOut">
               <a:rPr lang="en-US" smtClean="0"/>
-              <a:t>3/29/22</a:t>
+              <a:t>3/30/22</a:t>
             </a:fld>
             <a:endParaRPr lang="en-US"/>
           </a:p>
@@ -2383,7 +2388,7 @@
           <a:p>
             <a:fld id="{F4B479B4-3132-E349-B8E6-E80A8B379973}" type="datetimeFigureOut">
               <a:rPr lang="en-US" smtClean="0"/>
-              <a:t>3/29/22</a:t>
+              <a:t>3/30/22</a:t>
             </a:fld>
             <a:endParaRPr lang="en-US"/>
           </a:p>
@@ -2671,7 +2676,7 @@
           <a:p>
             <a:fld id="{F4B479B4-3132-E349-B8E6-E80A8B379973}" type="datetimeFigureOut">
               <a:rPr lang="en-US" smtClean="0"/>
-              <a:t>3/29/22</a:t>
+              <a:t>3/30/22</a:t>
             </a:fld>
             <a:endParaRPr lang="en-US"/>
           </a:p>
@@ -2912,7 +2917,7 @@
           <a:p>
             <a:fld id="{F4B479B4-3132-E349-B8E6-E80A8B379973}" type="datetimeFigureOut">
               <a:rPr lang="en-US" smtClean="0"/>
-              <a:t>3/29/22</a:t>
+              <a:t>3/30/22</a:t>
             </a:fld>
             <a:endParaRPr lang="en-US"/>
           </a:p>
@@ -3552,14 +3557,22 @@
           <a:p>
             <a:r>
               <a:rPr lang="en-US" sz="2400" dirty="0"/>
-              <a:t>Quiz: Ruby celebrated her birthday with 20 of her friends last night. During the party, some food and beverages were shared. This morning, some of her friends told her that they are experiencing mild stomachache and fever. One of them told Ruby that she’s suspicious of the pizza she ate last night at the party and Ruby should investigate whether pizza caused the sickness.</a:t>
+              <a:t>Quiz: Beyonce and Jay-Z threw their Oscar after-party inviting over 1000 guests. During the party, some food and beverages were served. The morning after the party, Beyonce received a call from Jason </a:t>
+            </a:r>
+            <a:r>
+              <a:rPr lang="en-US" sz="2400" dirty="0" err="1"/>
+              <a:t>Momoa</a:t>
+            </a:r>
+            <a:r>
+              <a:rPr lang="en-US" sz="2400" dirty="0"/>
+              <a:t> that he’s having nausea and diarrhea. He told her that he’s suspicious of the pizza he ate last night at the party and she should investigate whether pizza caused the sickness.</a:t>
             </a:r>
           </a:p>
           <a:p>
             <a:pPr lvl="1"/>
             <a:r>
               <a:rPr lang="en-US" sz="2000" dirty="0"/>
-              <a:t>What is the exposure of interest? – eating pizza</a:t>
+              <a:t>What is the potential exposure of interest? – eating pizza</a:t>
             </a:r>
           </a:p>
           <a:p>
@@ -3592,7 +3605,7 @@
         <p:spPr>
           <a:xfrm>
             <a:off x="1240972" y="5012872"/>
-            <a:ext cx="5453743" cy="718457"/>
+            <a:ext cx="6569528" cy="718457"/>
           </a:xfrm>
           <a:prstGeom prst="rect">
             <a:avLst/>
@@ -3700,7 +3713,7 @@
         </p:nvSpPr>
         <p:spPr>
           <a:xfrm>
-            <a:off x="838200" y="1646950"/>
+            <a:off x="838200" y="1428819"/>
             <a:ext cx="10515600" cy="4351338"/>
           </a:xfrm>
         </p:spPr>
@@ -3755,7 +3768,7 @@
             </a:br>
             <a:r>
               <a:rPr lang="en-US" sz="2000" dirty="0"/>
-              <a:t>Upon calling all her friends who attended the party, Ruby gathered information that 4 out of 12 friends who ate pizza at the party got sick, and 3 out of 8 friends who did not eat pizza got sick.</a:t>
+              <a:t>Upon calling several friends who attended the party, Beyonce and Jay-Z gathered information that 8 out of 27 friends who ate pizza at the party got sick, and 4 out of 31 friends who did not recall eating pizza got sick.</a:t>
             </a:r>
           </a:p>
         </p:txBody>
@@ -4056,7 +4069,15 @@
           <a:p>
             <a:r>
               <a:rPr lang="en-US" sz="1400" dirty="0"/>
-              <a:t>Q. Can we make them fill in the correct number for the table?</a:t>
+              <a:t>Q. </a:t>
+            </a:r>
+            <a:r>
+              <a:rPr lang="en-US" sz="1400" dirty="0">
+                <a:solidFill>
+                  <a:srgbClr val="FF0000"/>
+                </a:solidFill>
+              </a:rPr>
+              <a:t>Can we make them fill in the correct number for the table?</a:t>
             </a:r>
           </a:p>
           <a:p>
@@ -4213,7 +4234,7 @@
         </p:spPr>
         <p:txBody>
           <a:bodyPr>
-            <a:normAutofit fontScale="85000" lnSpcReduction="20000"/>
+            <a:normAutofit fontScale="85000" lnSpcReduction="10000"/>
           </a:bodyPr>
           <a:lstStyle/>
           <a:p>
@@ -4253,39 +4274,7 @@
             </a:br>
             <a:r>
               <a:rPr lang="en-US" sz="1700" dirty="0"/>
-              <a:t>In an article published in the Journal in November 2008, Greenfield and colleagues looked at previously suicidal adolescents (n=263) to analyze the associations between presence of psychiatric </a:t>
-            </a:r>
-            <a:r>
-              <a:rPr lang="en-US" sz="1700" dirty="0" err="1"/>
-              <a:t>disorderand</a:t>
-            </a:r>
-            <a:r>
-              <a:rPr lang="en-US" sz="1700" dirty="0"/>
-              <a:t> suicidal behavior at six-month follow-up (Greenfield et al., 2008). In the study, 186 of the 263 adolescents did not exhibit suicidal </a:t>
-            </a:r>
-            <a:r>
-              <a:rPr lang="en-US" sz="1700" dirty="0" err="1"/>
-              <a:t>behaviour</a:t>
-            </a:r>
-            <a:r>
-              <a:rPr lang="en-US" sz="1700" dirty="0"/>
-              <a:t> (non-suicidal, NS) at six months follow-up. Of this group, 86 young people (86/186) had been assessed as having depression at baseline. Of the 77 young people with persistent suicidal </a:t>
-            </a:r>
-            <a:r>
-              <a:rPr lang="en-US" sz="1700" dirty="0" err="1"/>
-              <a:t>behaviour</a:t>
-            </a:r>
-            <a:r>
-              <a:rPr lang="en-US" sz="1700" dirty="0"/>
-              <a:t> at follow-up (suicidal </a:t>
-            </a:r>
-            <a:r>
-              <a:rPr lang="en-US" sz="1700" dirty="0" err="1"/>
-              <a:t>behaviour</a:t>
-            </a:r>
-            <a:r>
-              <a:rPr lang="en-US" sz="1700" dirty="0"/>
-              <a:t>, SB), 45 had been assessed as having depression at baseline (45/77).</a:t>
+              <a:t>In an article published in the Journal in November 2008, Greenfield and colleagues looked at previously suicidal adolescents (n=263) to analyze the associations between presence of psychiatric disorder and suicidal behavior at six-month follow-up (Greenfield et al., 2008). In the study, 186 of the 263 adolescents did not exhibit suicidal behavior (non-suicidal, NS) at six months follow-up. Of this group, 86 young people (86/186) had been assessed as having depression at baseline. Of the 77 young people with persistent suicidal behavior at follow-up (suicidal behavior, SB), 45 had been assessed as having depression at baseline (45/77).</a:t>
             </a:r>
           </a:p>
           <a:p>
@@ -4295,32 +4284,20 @@
           <a:p>
             <a:pPr lvl="1"/>
             <a:r>
+              <a:rPr lang="en-US" sz="1600" dirty="0">
+                <a:solidFill>
+                  <a:srgbClr val="FF0000"/>
+                </a:solidFill>
+              </a:rPr>
+              <a:t>Q. Can we make them fill in the correct number for the table?</a:t>
+            </a:r>
+          </a:p>
+          <a:p>
+            <a:pPr lvl="1"/>
+            <a:r>
               <a:rPr lang="en-US" sz="1600" dirty="0"/>
-              <a:t>Q. Can we make them fill in the correct number for the table?</a:t>
-            </a:r>
-          </a:p>
-          <a:p>
-            <a:pPr lvl="1"/>
-            <a:r>
-              <a:rPr lang="en-US" sz="1600" dirty="0"/>
-              <a:t>Q. What is the odd of getting sick among those who ate pizza?</a:t>
-            </a:r>
-          </a:p>
-          <a:p>
-            <a:pPr lvl="1"/>
-            <a:r>
-              <a:rPr lang="en-US" sz="1600" dirty="0"/>
-              <a:t>Q. What is the odd of getting sick among those who did not eat pizza?</a:t>
-            </a:r>
-          </a:p>
-          <a:p>
-            <a:pPr lvl="1"/>
-            <a:r>
-              <a:rPr lang="en-US" sz="1600" dirty="0"/>
-              <a:t>Q. What is the odds ratio of getting sick among those who ate pizza vs. those who did not eat pizza?</a:t>
-            </a:r>
-          </a:p>
-          <a:p>
+              <a:t>Q. What is the odds ratio of  exhibiting persistent suicidal behavior given the baseline depression in comparison to no base line depression? </a:t>
+            </a:r>
             <a:endParaRPr lang="en-US" sz="2000" dirty="0"/>
           </a:p>
           <a:p>
@@ -4372,8 +4349,8 @@
         </p:nvSpPr>
         <p:spPr>
           <a:xfrm>
-            <a:off x="963386" y="5103269"/>
-            <a:ext cx="10850242" cy="1325563"/>
+            <a:off x="963386" y="4552951"/>
+            <a:ext cx="10850242" cy="1875882"/>
           </a:xfrm>
           <a:prstGeom prst="rect">
             <a:avLst/>
@@ -4521,7 +4498,7 @@
         </p:blipFill>
         <p:spPr>
           <a:xfrm>
-            <a:off x="1109019" y="3658202"/>
+            <a:off x="1341143" y="3630979"/>
             <a:ext cx="3276600" cy="1562100"/>
           </a:xfrm>
           <a:prstGeom prst="rect">
@@ -4758,8 +4735,8 @@
         </p:nvSpPr>
         <p:spPr>
           <a:xfrm>
-            <a:off x="838200" y="5500355"/>
-            <a:ext cx="4318939" cy="369332"/>
+            <a:off x="919294" y="5807631"/>
+            <a:ext cx="4129785" cy="369332"/>
           </a:xfrm>
           <a:prstGeom prst="rect">
             <a:avLst/>
@@ -4778,7 +4755,7 @@
             </a:pPr>
             <a:r>
               <a:rPr lang="en-US" dirty="0"/>
-              <a:t>True OR = (24600*4663)/(16759*25288) </a:t>
+              <a:t>True OR = (630*152)/(239*236) = 1.63 </a:t>
             </a:r>
           </a:p>
         </p:txBody>
@@ -4927,6 +4904,198 @@
           </a:p>
         </p:txBody>
       </p:sp>
+      <p:graphicFrame>
+        <p:nvGraphicFramePr>
+          <p:cNvPr id="15" name="Table 9">
+            <a:extLst>
+              <a:ext uri="{FF2B5EF4-FFF2-40B4-BE49-F238E27FC236}">
+                <a16:creationId xmlns:a16="http://schemas.microsoft.com/office/drawing/2014/main" id="{769AA601-A475-274B-949C-6DCDE903441B}"/>
+              </a:ext>
+            </a:extLst>
+          </p:cNvPr>
+          <p:cNvGraphicFramePr>
+            <a:graphicFrameLocks noGrp="1"/>
+          </p:cNvGraphicFramePr>
+          <p:nvPr>
+            <p:extLst>
+              <p:ext uri="{D42A27DB-BD31-4B8C-83A1-F6EECF244321}">
+                <p14:modId xmlns:p14="http://schemas.microsoft.com/office/powerpoint/2010/main" val="474690103"/>
+              </p:ext>
+            </p:extLst>
+          </p:nvPr>
+        </p:nvGraphicFramePr>
+        <p:xfrm>
+          <a:off x="1303374" y="4481401"/>
+          <a:ext cx="3314370" cy="1072308"/>
+        </p:xfrm>
+        <a:graphic>
+          <a:graphicData uri="http://schemas.openxmlformats.org/drawingml/2006/table">
+            <a:tbl>
+              <a:tblPr firstRow="1" bandRow="1">
+                <a:tableStyleId>{5C22544A-7EE6-4342-B048-85BDC9FD1C3A}</a:tableStyleId>
+              </a:tblPr>
+              <a:tblGrid>
+                <a:gridCol w="1104790">
+                  <a:extLst>
+                    <a:ext uri="{9D8B030D-6E8A-4147-A177-3AD203B41FA5}">
+                      <a16:colId xmlns:a16="http://schemas.microsoft.com/office/drawing/2014/main" val="1013477159"/>
+                    </a:ext>
+                  </a:extLst>
+                </a:gridCol>
+                <a:gridCol w="1104790">
+                  <a:extLst>
+                    <a:ext uri="{9D8B030D-6E8A-4147-A177-3AD203B41FA5}">
+                      <a16:colId xmlns:a16="http://schemas.microsoft.com/office/drawing/2014/main" val="2613880539"/>
+                    </a:ext>
+                  </a:extLst>
+                </a:gridCol>
+                <a:gridCol w="1104790">
+                  <a:extLst>
+                    <a:ext uri="{9D8B030D-6E8A-4147-A177-3AD203B41FA5}">
+                      <a16:colId xmlns:a16="http://schemas.microsoft.com/office/drawing/2014/main" val="2973438130"/>
+                    </a:ext>
+                  </a:extLst>
+                </a:gridCol>
+              </a:tblGrid>
+              <a:tr h="322794">
+                <a:tc>
+                  <a:txBody>
+                    <a:bodyPr/>
+                    <a:lstStyle/>
+                    <a:p>
+                      <a:endParaRPr lang="en-US" sz="1100" dirty="0"/>
+                    </a:p>
+                  </a:txBody>
+                  <a:tcPr/>
+                </a:tc>
+                <a:tc>
+                  <a:txBody>
+                    <a:bodyPr/>
+                    <a:lstStyle/>
+                    <a:p>
+                      <a:r>
+                        <a:rPr lang="en-US" sz="1100" dirty="0"/>
+                        <a:t>Got sick</a:t>
+                      </a:r>
+                    </a:p>
+                  </a:txBody>
+                  <a:tcPr/>
+                </a:tc>
+                <a:tc>
+                  <a:txBody>
+                    <a:bodyPr/>
+                    <a:lstStyle/>
+                    <a:p>
+                      <a:r>
+                        <a:rPr lang="en-US" sz="1100" dirty="0"/>
+                        <a:t>Did not get sick</a:t>
+                      </a:r>
+                    </a:p>
+                  </a:txBody>
+                  <a:tcPr/>
+                </a:tc>
+                <a:extLst>
+                  <a:ext uri="{0D108BD9-81ED-4DB2-BD59-A6C34878D82A}">
+                    <a16:rowId xmlns:a16="http://schemas.microsoft.com/office/drawing/2014/main" val="1136049243"/>
+                  </a:ext>
+                </a:extLst>
+              </a:tr>
+              <a:tr h="322794">
+                <a:tc>
+                  <a:txBody>
+                    <a:bodyPr/>
+                    <a:lstStyle/>
+                    <a:p>
+                      <a:r>
+                        <a:rPr lang="en-US" sz="1100" dirty="0"/>
+                        <a:t>Ate pizza</a:t>
+                      </a:r>
+                    </a:p>
+                  </a:txBody>
+                  <a:tcPr/>
+                </a:tc>
+                <a:tc>
+                  <a:txBody>
+                    <a:bodyPr/>
+                    <a:lstStyle/>
+                    <a:p>
+                      <a:r>
+                        <a:rPr lang="en-US" sz="1100" dirty="0"/>
+                        <a:t>630</a:t>
+                      </a:r>
+                    </a:p>
+                  </a:txBody>
+                  <a:tcPr/>
+                </a:tc>
+                <a:tc>
+                  <a:txBody>
+                    <a:bodyPr/>
+                    <a:lstStyle/>
+                    <a:p>
+                      <a:r>
+                        <a:rPr lang="en-US" sz="1100" dirty="0"/>
+                        <a:t>249</a:t>
+                      </a:r>
+                    </a:p>
+                  </a:txBody>
+                  <a:tcPr/>
+                </a:tc>
+                <a:extLst>
+                  <a:ext uri="{0D108BD9-81ED-4DB2-BD59-A6C34878D82A}">
+                    <a16:rowId xmlns:a16="http://schemas.microsoft.com/office/drawing/2014/main" val="3527997249"/>
+                  </a:ext>
+                </a:extLst>
+              </a:tr>
+              <a:tr h="322794">
+                <a:tc>
+                  <a:txBody>
+                    <a:bodyPr/>
+                    <a:lstStyle/>
+                    <a:p>
+                      <a:r>
+                        <a:rPr lang="en-US" sz="1100" dirty="0"/>
+                        <a:t>Did not eat pizza</a:t>
+                      </a:r>
+                    </a:p>
+                  </a:txBody>
+                  <a:tcPr/>
+                </a:tc>
+                <a:tc>
+                  <a:txBody>
+                    <a:bodyPr/>
+                    <a:lstStyle/>
+                    <a:p>
+                      <a:r>
+                        <a:rPr lang="en-US" sz="1100" dirty="0"/>
+                        <a:t>236</a:t>
+                      </a:r>
+                    </a:p>
+                  </a:txBody>
+                  <a:tcPr/>
+                </a:tc>
+                <a:tc>
+                  <a:txBody>
+                    <a:bodyPr/>
+                    <a:lstStyle/>
+                    <a:p>
+                      <a:r>
+                        <a:rPr lang="en-US" sz="1100" dirty="0"/>
+                        <a:t>152</a:t>
+                      </a:r>
+                    </a:p>
+                  </a:txBody>
+                  <a:tcPr/>
+                </a:tc>
+                <a:extLst>
+                  <a:ext uri="{0D108BD9-81ED-4DB2-BD59-A6C34878D82A}">
+                    <a16:rowId xmlns:a16="http://schemas.microsoft.com/office/drawing/2014/main" val="1300555"/>
+                  </a:ext>
+                </a:extLst>
+              </a:tr>
+            </a:tbl>
+          </a:graphicData>
+        </a:graphic>
+      </p:graphicFrame>
     </p:spTree>
     <p:extLst>
       <p:ext uri="{BB962C8B-B14F-4D97-AF65-F5344CB8AC3E}">
@@ -5827,7 +5996,7 @@
         <p:spPr/>
         <p:txBody>
           <a:bodyPr>
-            <a:normAutofit lnSpcReduction="10000"/>
+            <a:normAutofit fontScale="85000" lnSpcReduction="10000"/>
           </a:bodyPr>
           <a:lstStyle/>
           <a:p>
@@ -5839,25 +6008,31 @@
           <a:p>
             <a:r>
               <a:rPr lang="en-US" dirty="0"/>
-              <a:t>EX) the odds of persistent suicidal </a:t>
-            </a:r>
-            <a:r>
-              <a:rPr lang="en-US" dirty="0" err="1"/>
-              <a:t>behaviour</a:t>
-            </a:r>
+              <a:t>Quiz: After investigating 500 attendants, the epidemiologist concluded that the odds of having diarrhea and nausea within a day from Beyonce and Jay-Z’s party was higher among those who consumed pizza than those who did not consume pizza during the party (OR 1.2, 95% CI: 0.98 – 1.56). Based on this result, can you conclude that there is a significant association between the pizza consumption and the sickness? </a:t>
+            </a:r>
+          </a:p>
+          <a:p>
+            <a:pPr lvl="1"/>
             <a:r>
               <a:rPr lang="en-US" dirty="0"/>
-              <a:t> in the group given presence of borderline personality disorder at baseline was twice that of depression (OR 3.8, 95% CI:1.6–8.7), and was statistically significant (p 0.002)</a:t>
-            </a:r>
-          </a:p>
-        </p:txBody>
-      </p:sp>
-      <p:sp>
-        <p:nvSpPr>
-          <p:cNvPr id="4" name="Rectangle 3">
-            <a:extLst>
-              <a:ext uri="{FF2B5EF4-FFF2-40B4-BE49-F238E27FC236}">
-                <a16:creationId xmlns:a16="http://schemas.microsoft.com/office/drawing/2014/main" id="{F11738F3-4DA5-8C4F-8A3F-6D0493955238}"/>
+              <a:t>Yes</a:t>
+            </a:r>
+          </a:p>
+          <a:p>
+            <a:pPr lvl="1"/>
+            <a:r>
+              <a:rPr lang="en-US" dirty="0"/>
+              <a:t>No</a:t>
+            </a:r>
+          </a:p>
+        </p:txBody>
+      </p:sp>
+      <p:sp>
+        <p:nvSpPr>
+          <p:cNvPr id="5" name="Rectangle 4">
+            <a:extLst>
+              <a:ext uri="{FF2B5EF4-FFF2-40B4-BE49-F238E27FC236}">
+                <a16:creationId xmlns:a16="http://schemas.microsoft.com/office/drawing/2014/main" id="{F2E82EE8-B381-D14C-B172-8D010C566A18}"/>
               </a:ext>
             </a:extLst>
           </p:cNvPr>
@@ -5865,16 +6040,14 @@
           <p:nvPr/>
         </p:nvSpPr>
         <p:spPr>
-          <a:xfrm rot="20699419">
-            <a:off x="3151414" y="4898182"/>
-            <a:ext cx="6490514" cy="583203"/>
+          <a:xfrm>
+            <a:off x="704850" y="3605213"/>
+            <a:ext cx="10648950" cy="2533650"/>
           </a:xfrm>
           <a:prstGeom prst="rect">
             <a:avLst/>
           </a:prstGeom>
-          <a:solidFill>
-            <a:schemeClr val="bg1"/>
-          </a:solidFill>
+          <a:noFill/>
         </p:spPr>
         <p:style>
           <a:lnRef idx="2">
@@ -5897,14 +6070,7 @@
           <a:lstStyle/>
           <a:p>
             <a:pPr algn="ctr"/>
-            <a:r>
-              <a:rPr lang="en-US" sz="2400" dirty="0">
-                <a:solidFill>
-                  <a:srgbClr val="FF0000"/>
-                </a:solidFill>
-              </a:rPr>
-              <a:t>We can think of ways to make this into an quiz/app</a:t>
-            </a:r>
+            <a:endParaRPr lang="en-US"/>
           </a:p>
         </p:txBody>
       </p:sp>

--- a/OR_mock-up.pptx
+++ b/OR_mock-up.pptx
@@ -4456,7 +4456,12 @@
             <p:ph idx="1"/>
           </p:nvPr>
         </p:nvSpPr>
-        <p:spPr/>
+        <p:spPr>
+          <a:xfrm>
+            <a:off x="838200" y="1825625"/>
+            <a:ext cx="10850242" cy="4351338"/>
+          </a:xfrm>
+        </p:spPr>
         <p:txBody>
           <a:bodyPr>
             <a:normAutofit/>
@@ -4473,6 +4478,18 @@
               <a:rPr lang="en-US" sz="2000" dirty="0"/>
               <a:t>Let’s look at the example</a:t>
             </a:r>
+            <a:r>
+              <a:rPr lang="en-US" sz="1600" dirty="0"/>
+              <a:t>:</a:t>
+            </a:r>
+            <a:br>
+              <a:rPr lang="en-US" sz="1600" dirty="0"/>
+            </a:br>
+            <a:r>
+              <a:rPr lang="en-US" sz="1600" dirty="0"/>
+              <a:t>Beyonce and Jay-Z decided that they need to report this incidence to the health authority and launch a larger-scale investigation. Given the large number of people who attended the party, investigators decided to draw a subset of attendants to investigate their food consumption history and the presence of illness to draw inference on the entire party guests. See how the estimated odds ratio changes as you draw random samples of attendants from the party guests. The exposure and symptom status of the entire party guests (provided in the table on the right) are not known to the investigators.</a:t>
+            </a:r>
+            <a:endParaRPr lang="en-US" sz="2000" dirty="0"/>
           </a:p>
         </p:txBody>
       </p:sp>
@@ -4498,7 +4515,7 @@
         </p:blipFill>
         <p:spPr>
           <a:xfrm>
-            <a:off x="1341143" y="3630979"/>
+            <a:off x="1341143" y="4240579"/>
             <a:ext cx="3276600" cy="1562100"/>
           </a:xfrm>
           <a:prstGeom prst="rect">
@@ -4521,14 +4538,14 @@
           <p:nvPr>
             <p:extLst>
               <p:ext uri="{D42A27DB-BD31-4B8C-83A1-F6EECF244321}">
-                <p14:modId xmlns:p14="http://schemas.microsoft.com/office/powerpoint/2010/main" val="937886350"/>
+                <p14:modId xmlns:p14="http://schemas.microsoft.com/office/powerpoint/2010/main" val="2150737322"/>
               </p:ext>
             </p:extLst>
           </p:nvPr>
         </p:nvGraphicFramePr>
         <p:xfrm>
-          <a:off x="5427958" y="4479376"/>
-          <a:ext cx="3784599" cy="1112520"/>
+          <a:off x="5427958" y="5336626"/>
+          <a:ext cx="3997527" cy="848919"/>
         </p:xfrm>
         <a:graphic>
           <a:graphicData uri="http://schemas.openxmlformats.org/drawingml/2006/table">
@@ -4537,21 +4554,21 @@
                 <a:tableStyleId>{5C22544A-7EE6-4342-B048-85BDC9FD1C3A}</a:tableStyleId>
               </a:tblPr>
               <a:tblGrid>
-                <a:gridCol w="1261533">
+                <a:gridCol w="1332509">
                   <a:extLst>
                     <a:ext uri="{9D8B030D-6E8A-4147-A177-3AD203B41FA5}">
                       <a16:colId xmlns:a16="http://schemas.microsoft.com/office/drawing/2014/main" val="1013477159"/>
                     </a:ext>
                   </a:extLst>
                 </a:gridCol>
-                <a:gridCol w="1261533">
+                <a:gridCol w="1332509">
                   <a:extLst>
                     <a:ext uri="{9D8B030D-6E8A-4147-A177-3AD203B41FA5}">
                       <a16:colId xmlns:a16="http://schemas.microsoft.com/office/drawing/2014/main" val="2613880539"/>
                     </a:ext>
                   </a:extLst>
                 </a:gridCol>
-                <a:gridCol w="1261533">
+                <a:gridCol w="1332509">
                   <a:extLst>
                     <a:ext uri="{9D8B030D-6E8A-4147-A177-3AD203B41FA5}">
                       <a16:colId xmlns:a16="http://schemas.microsoft.com/office/drawing/2014/main" val="2973438130"/>
@@ -4559,7 +4576,7 @@
                   </a:extLst>
                 </a:gridCol>
               </a:tblGrid>
-              <a:tr h="370840">
+              <a:tr h="282973">
                 <a:tc>
                   <a:txBody>
                     <a:bodyPr/>
@@ -4602,7 +4619,7 @@
                   </a:ext>
                 </a:extLst>
               </a:tr>
-              <a:tr h="370840">
+              <a:tr h="282973">
                 <a:tc>
                   <a:txBody>
                     <a:bodyPr/>
@@ -4642,7 +4659,7 @@
                   </a:ext>
                 </a:extLst>
               </a:tr>
-              <a:tr h="370840">
+              <a:tr h="282973">
                 <a:tc>
                   <a:txBody>
                     <a:bodyPr/>
@@ -4700,8 +4717,8 @@
         </p:nvSpPr>
         <p:spPr>
           <a:xfrm>
-            <a:off x="5427958" y="4069920"/>
-            <a:ext cx="2406300" cy="369332"/>
+            <a:off x="5239932" y="4202846"/>
+            <a:ext cx="5217775" cy="369332"/>
           </a:xfrm>
           <a:prstGeom prst="rect">
             <a:avLst/>
@@ -4716,7 +4733,7 @@
           <a:p>
             <a:r>
               <a:rPr lang="en-US" dirty="0"/>
-              <a:t>Your sample population</a:t>
+              <a:t>Specify the number of samples from the party guests:</a:t>
             </a:r>
           </a:p>
         </p:txBody>
@@ -4735,7 +4752,7 @@
         </p:nvSpPr>
         <p:spPr>
           <a:xfrm>
-            <a:off x="919294" y="5807631"/>
+            <a:off x="895666" y="6279079"/>
             <a:ext cx="4129785" cy="369332"/>
           </a:xfrm>
           <a:prstGeom prst="rect">
@@ -4774,7 +4791,7 @@
         </p:nvSpPr>
         <p:spPr>
           <a:xfrm>
-            <a:off x="5238233" y="5800229"/>
+            <a:off x="5238233" y="6237795"/>
             <a:ext cx="1715534" cy="369332"/>
           </a:xfrm>
           <a:prstGeom prst="rect">
@@ -4820,7 +4837,7 @@
         </p:blipFill>
         <p:spPr>
           <a:xfrm>
-            <a:off x="5427958" y="3206813"/>
+            <a:off x="5427958" y="4540988"/>
             <a:ext cx="2225993" cy="728170"/>
           </a:xfrm>
           <a:prstGeom prst="rect">
@@ -4828,51 +4845,22 @@
           </a:prstGeom>
         </p:spPr>
       </p:pic>
-      <p:pic>
-        <p:nvPicPr>
-          <p:cNvPr id="13" name="Picture 12" descr="Graphical user interface, application&#10;&#10;Description automatically generated">
-            <a:extLst>
-              <a:ext uri="{FF2B5EF4-FFF2-40B4-BE49-F238E27FC236}">
-                <a16:creationId xmlns:a16="http://schemas.microsoft.com/office/drawing/2014/main" id="{F0FB2F2E-11F7-8F42-9C3B-D6E19A83F3DE}"/>
-              </a:ext>
-            </a:extLst>
-          </p:cNvPr>
-          <p:cNvPicPr>
-            <a:picLocks noChangeAspect="1"/>
-          </p:cNvPicPr>
+      <p:sp>
+        <p:nvSpPr>
+          <p:cNvPr id="14" name="Rectangle 13">
+            <a:extLst>
+              <a:ext uri="{FF2B5EF4-FFF2-40B4-BE49-F238E27FC236}">
+                <a16:creationId xmlns:a16="http://schemas.microsoft.com/office/drawing/2014/main" id="{CB40889F-BB25-F148-8146-CE00F728DF33}"/>
+              </a:ext>
+            </a:extLst>
+          </p:cNvPr>
+          <p:cNvSpPr/>
           <p:nvPr/>
-        </p:nvPicPr>
-        <p:blipFill rotWithShape="1">
-          <a:blip r:embed="rId3"/>
-          <a:srcRect t="46615" b="12606"/>
-          <a:stretch/>
-        </p:blipFill>
+        </p:nvSpPr>
         <p:spPr>
           <a:xfrm>
-            <a:off x="7834258" y="3206813"/>
-            <a:ext cx="2225993" cy="637017"/>
-          </a:xfrm>
-          <a:prstGeom prst="rect">
-            <a:avLst/>
-          </a:prstGeom>
-        </p:spPr>
-      </p:pic>
-      <p:sp>
-        <p:nvSpPr>
-          <p:cNvPr id="14" name="Rectangle 13">
-            <a:extLst>
-              <a:ext uri="{FF2B5EF4-FFF2-40B4-BE49-F238E27FC236}">
-                <a16:creationId xmlns:a16="http://schemas.microsoft.com/office/drawing/2014/main" id="{CB40889F-BB25-F148-8146-CE00F728DF33}"/>
-              </a:ext>
-            </a:extLst>
-          </p:cNvPr>
-          <p:cNvSpPr/>
-          <p:nvPr/>
-        </p:nvSpPr>
-        <p:spPr>
-          <a:xfrm>
-            <a:off x="963386" y="3141498"/>
-            <a:ext cx="10850242" cy="3105086"/>
+            <a:off x="838200" y="2702545"/>
+            <a:ext cx="10850242" cy="3790330"/>
           </a:xfrm>
           <a:prstGeom prst="rect">
             <a:avLst/>
@@ -4919,13 +4907,13 @@
           <p:nvPr>
             <p:extLst>
               <p:ext uri="{D42A27DB-BD31-4B8C-83A1-F6EECF244321}">
-                <p14:modId xmlns:p14="http://schemas.microsoft.com/office/powerpoint/2010/main" val="474690103"/>
+                <p14:modId xmlns:p14="http://schemas.microsoft.com/office/powerpoint/2010/main" val="1994526972"/>
               </p:ext>
             </p:extLst>
           </p:nvPr>
         </p:nvGraphicFramePr>
         <p:xfrm>
-          <a:off x="1303374" y="4481401"/>
+          <a:off x="1303374" y="5091001"/>
           <a:ext cx="3314370" cy="1072308"/>
         </p:xfrm>
         <a:graphic>

--- a/OR_mock-up.pptx
+++ b/OR_mock-up.pptx
@@ -4,6 +4,9 @@
   <p:sldMasterIdLst>
     <p:sldMasterId id="2147483648" r:id="rId1"/>
   </p:sldMasterIdLst>
+  <p:notesMasterIdLst>
+    <p:notesMasterId r:id="rId11"/>
+  </p:notesMasterIdLst>
   <p:sldIdLst>
     <p:sldId id="256" r:id="rId2"/>
     <p:sldId id="257" r:id="rId3"/>
@@ -118,6 +121,439 @@
     </p:ext>
   </p:extLst>
 </p:presentation>
+</file>
+
+<file path=ppt/notesMasters/notesMaster1.xml><?xml version="1.0" encoding="utf-8"?>
+<p:notesMaster xmlns:a="http://schemas.openxmlformats.org/drawingml/2006/main" xmlns:r="http://schemas.openxmlformats.org/officeDocument/2006/relationships" xmlns:p="http://schemas.openxmlformats.org/presentationml/2006/main">
+  <p:cSld>
+    <p:bg>
+      <p:bgRef idx="1001">
+        <a:schemeClr val="bg1"/>
+      </p:bgRef>
+    </p:bg>
+    <p:spTree>
+      <p:nvGrpSpPr>
+        <p:cNvPr id="1" name=""/>
+        <p:cNvGrpSpPr/>
+        <p:nvPr/>
+      </p:nvGrpSpPr>
+      <p:grpSpPr>
+        <a:xfrm>
+          <a:off x="0" y="0"/>
+          <a:ext cx="0" cy="0"/>
+          <a:chOff x="0" y="0"/>
+          <a:chExt cx="0" cy="0"/>
+        </a:xfrm>
+      </p:grpSpPr>
+      <p:sp>
+        <p:nvSpPr>
+          <p:cNvPr id="2" name="Header Placeholder 1"/>
+          <p:cNvSpPr>
+            <a:spLocks noGrp="1"/>
+          </p:cNvSpPr>
+          <p:nvPr>
+            <p:ph type="hdr" sz="quarter"/>
+          </p:nvPr>
+        </p:nvSpPr>
+        <p:spPr>
+          <a:xfrm>
+            <a:off x="0" y="0"/>
+            <a:ext cx="2971800" cy="458788"/>
+          </a:xfrm>
+          <a:prstGeom prst="rect">
+            <a:avLst/>
+          </a:prstGeom>
+        </p:spPr>
+        <p:txBody>
+          <a:bodyPr vert="horz" lIns="91440" tIns="45720" rIns="91440" bIns="45720" rtlCol="0"/>
+          <a:lstStyle>
+            <a:lvl1pPr algn="l">
+              <a:defRPr sz="1200"/>
+            </a:lvl1pPr>
+          </a:lstStyle>
+          <a:p>
+            <a:endParaRPr lang="en-US"/>
+          </a:p>
+        </p:txBody>
+      </p:sp>
+      <p:sp>
+        <p:nvSpPr>
+          <p:cNvPr id="3" name="Date Placeholder 2"/>
+          <p:cNvSpPr>
+            <a:spLocks noGrp="1"/>
+          </p:cNvSpPr>
+          <p:nvPr>
+            <p:ph type="dt" idx="1"/>
+          </p:nvPr>
+        </p:nvSpPr>
+        <p:spPr>
+          <a:xfrm>
+            <a:off x="3884613" y="0"/>
+            <a:ext cx="2971800" cy="458788"/>
+          </a:xfrm>
+          <a:prstGeom prst="rect">
+            <a:avLst/>
+          </a:prstGeom>
+        </p:spPr>
+        <p:txBody>
+          <a:bodyPr vert="horz" lIns="91440" tIns="45720" rIns="91440" bIns="45720" rtlCol="0"/>
+          <a:lstStyle>
+            <a:lvl1pPr algn="r">
+              <a:defRPr sz="1200"/>
+            </a:lvl1pPr>
+          </a:lstStyle>
+          <a:p>
+            <a:fld id="{58188B85-0F7E-7F4B-94DF-A2F0652F24F6}" type="datetimeFigureOut">
+              <a:rPr lang="en-US" smtClean="0"/>
+              <a:t>3/31/22</a:t>
+            </a:fld>
+            <a:endParaRPr lang="en-US"/>
+          </a:p>
+        </p:txBody>
+      </p:sp>
+      <p:sp>
+        <p:nvSpPr>
+          <p:cNvPr id="4" name="Slide Image Placeholder 3"/>
+          <p:cNvSpPr>
+            <a:spLocks noGrp="1" noRot="1" noChangeAspect="1"/>
+          </p:cNvSpPr>
+          <p:nvPr>
+            <p:ph type="sldImg" idx="2"/>
+          </p:nvPr>
+        </p:nvSpPr>
+        <p:spPr>
+          <a:xfrm>
+            <a:off x="685800" y="1143000"/>
+            <a:ext cx="5486400" cy="3086100"/>
+          </a:xfrm>
+          <a:prstGeom prst="rect">
+            <a:avLst/>
+          </a:prstGeom>
+          <a:noFill/>
+          <a:ln w="12700">
+            <a:solidFill>
+              <a:prstClr val="black"/>
+            </a:solidFill>
+          </a:ln>
+        </p:spPr>
+        <p:txBody>
+          <a:bodyPr vert="horz" lIns="91440" tIns="45720" rIns="91440" bIns="45720" rtlCol="0" anchor="ctr"/>
+          <a:lstStyle/>
+          <a:p>
+            <a:endParaRPr lang="en-US"/>
+          </a:p>
+        </p:txBody>
+      </p:sp>
+      <p:sp>
+        <p:nvSpPr>
+          <p:cNvPr id="5" name="Notes Placeholder 4"/>
+          <p:cNvSpPr>
+            <a:spLocks noGrp="1"/>
+          </p:cNvSpPr>
+          <p:nvPr>
+            <p:ph type="body" sz="quarter" idx="3"/>
+          </p:nvPr>
+        </p:nvSpPr>
+        <p:spPr>
+          <a:xfrm>
+            <a:off x="685800" y="4400550"/>
+            <a:ext cx="5486400" cy="3600450"/>
+          </a:xfrm>
+          <a:prstGeom prst="rect">
+            <a:avLst/>
+          </a:prstGeom>
+        </p:spPr>
+        <p:txBody>
+          <a:bodyPr vert="horz" lIns="91440" tIns="45720" rIns="91440" bIns="45720" rtlCol="0"/>
+          <a:lstStyle/>
+          <a:p>
+            <a:pPr lvl="0"/>
+            <a:r>
+              <a:rPr lang="en-US"/>
+              <a:t>Click to edit Master text styles</a:t>
+            </a:r>
+          </a:p>
+          <a:p>
+            <a:pPr lvl="1"/>
+            <a:r>
+              <a:rPr lang="en-US"/>
+              <a:t>Second level</a:t>
+            </a:r>
+          </a:p>
+          <a:p>
+            <a:pPr lvl="2"/>
+            <a:r>
+              <a:rPr lang="en-US"/>
+              <a:t>Third level</a:t>
+            </a:r>
+          </a:p>
+          <a:p>
+            <a:pPr lvl="3"/>
+            <a:r>
+              <a:rPr lang="en-US"/>
+              <a:t>Fourth level</a:t>
+            </a:r>
+          </a:p>
+          <a:p>
+            <a:pPr lvl="4"/>
+            <a:r>
+              <a:rPr lang="en-US"/>
+              <a:t>Fifth level</a:t>
+            </a:r>
+          </a:p>
+        </p:txBody>
+      </p:sp>
+      <p:sp>
+        <p:nvSpPr>
+          <p:cNvPr id="6" name="Footer Placeholder 5"/>
+          <p:cNvSpPr>
+            <a:spLocks noGrp="1"/>
+          </p:cNvSpPr>
+          <p:nvPr>
+            <p:ph type="ftr" sz="quarter" idx="4"/>
+          </p:nvPr>
+        </p:nvSpPr>
+        <p:spPr>
+          <a:xfrm>
+            <a:off x="0" y="8685213"/>
+            <a:ext cx="2971800" cy="458787"/>
+          </a:xfrm>
+          <a:prstGeom prst="rect">
+            <a:avLst/>
+          </a:prstGeom>
+        </p:spPr>
+        <p:txBody>
+          <a:bodyPr vert="horz" lIns="91440" tIns="45720" rIns="91440" bIns="45720" rtlCol="0" anchor="b"/>
+          <a:lstStyle>
+            <a:lvl1pPr algn="l">
+              <a:defRPr sz="1200"/>
+            </a:lvl1pPr>
+          </a:lstStyle>
+          <a:p>
+            <a:endParaRPr lang="en-US"/>
+          </a:p>
+        </p:txBody>
+      </p:sp>
+      <p:sp>
+        <p:nvSpPr>
+          <p:cNvPr id="7" name="Slide Number Placeholder 6"/>
+          <p:cNvSpPr>
+            <a:spLocks noGrp="1"/>
+          </p:cNvSpPr>
+          <p:nvPr>
+            <p:ph type="sldNum" sz="quarter" idx="5"/>
+          </p:nvPr>
+        </p:nvSpPr>
+        <p:spPr>
+          <a:xfrm>
+            <a:off x="3884613" y="8685213"/>
+            <a:ext cx="2971800" cy="458787"/>
+          </a:xfrm>
+          <a:prstGeom prst="rect">
+            <a:avLst/>
+          </a:prstGeom>
+        </p:spPr>
+        <p:txBody>
+          <a:bodyPr vert="horz" lIns="91440" tIns="45720" rIns="91440" bIns="45720" rtlCol="0" anchor="b"/>
+          <a:lstStyle>
+            <a:lvl1pPr algn="r">
+              <a:defRPr sz="1200"/>
+            </a:lvl1pPr>
+          </a:lstStyle>
+          <a:p>
+            <a:fld id="{F5D2763A-E56C-1A40-AA77-AA6C94D2BFE2}" type="slidenum">
+              <a:rPr lang="en-US" smtClean="0"/>
+              <a:t>‹#›</a:t>
+            </a:fld>
+            <a:endParaRPr lang="en-US"/>
+          </a:p>
+        </p:txBody>
+      </p:sp>
+    </p:spTree>
+    <p:extLst>
+      <p:ext uri="{BB962C8B-B14F-4D97-AF65-F5344CB8AC3E}">
+        <p14:creationId xmlns:p14="http://schemas.microsoft.com/office/powerpoint/2010/main" val="3431956417"/>
+      </p:ext>
+    </p:extLst>
+  </p:cSld>
+  <p:clrMap bg1="lt1" tx1="dk1" bg2="lt2" tx2="dk2" accent1="accent1" accent2="accent2" accent3="accent3" accent4="accent4" accent5="accent5" accent6="accent6" hlink="hlink" folHlink="folHlink"/>
+  <p:notesStyle>
+    <a:lvl1pPr marL="0" algn="l" defTabSz="914400" rtl="0" eaLnBrk="1" latinLnBrk="0" hangingPunct="1">
+      <a:defRPr sz="1200" kern="1200">
+        <a:solidFill>
+          <a:schemeClr val="tx1"/>
+        </a:solidFill>
+        <a:latin typeface="+mn-lt"/>
+        <a:ea typeface="+mn-ea"/>
+        <a:cs typeface="+mn-cs"/>
+      </a:defRPr>
+    </a:lvl1pPr>
+    <a:lvl2pPr marL="457200" algn="l" defTabSz="914400" rtl="0" eaLnBrk="1" latinLnBrk="0" hangingPunct="1">
+      <a:defRPr sz="1200" kern="1200">
+        <a:solidFill>
+          <a:schemeClr val="tx1"/>
+        </a:solidFill>
+        <a:latin typeface="+mn-lt"/>
+        <a:ea typeface="+mn-ea"/>
+        <a:cs typeface="+mn-cs"/>
+      </a:defRPr>
+    </a:lvl2pPr>
+    <a:lvl3pPr marL="914400" algn="l" defTabSz="914400" rtl="0" eaLnBrk="1" latinLnBrk="0" hangingPunct="1">
+      <a:defRPr sz="1200" kern="1200">
+        <a:solidFill>
+          <a:schemeClr val="tx1"/>
+        </a:solidFill>
+        <a:latin typeface="+mn-lt"/>
+        <a:ea typeface="+mn-ea"/>
+        <a:cs typeface="+mn-cs"/>
+      </a:defRPr>
+    </a:lvl3pPr>
+    <a:lvl4pPr marL="1371600" algn="l" defTabSz="914400" rtl="0" eaLnBrk="1" latinLnBrk="0" hangingPunct="1">
+      <a:defRPr sz="1200" kern="1200">
+        <a:solidFill>
+          <a:schemeClr val="tx1"/>
+        </a:solidFill>
+        <a:latin typeface="+mn-lt"/>
+        <a:ea typeface="+mn-ea"/>
+        <a:cs typeface="+mn-cs"/>
+      </a:defRPr>
+    </a:lvl4pPr>
+    <a:lvl5pPr marL="1828800" algn="l" defTabSz="914400" rtl="0" eaLnBrk="1" latinLnBrk="0" hangingPunct="1">
+      <a:defRPr sz="1200" kern="1200">
+        <a:solidFill>
+          <a:schemeClr val="tx1"/>
+        </a:solidFill>
+        <a:latin typeface="+mn-lt"/>
+        <a:ea typeface="+mn-ea"/>
+        <a:cs typeface="+mn-cs"/>
+      </a:defRPr>
+    </a:lvl5pPr>
+    <a:lvl6pPr marL="2286000" algn="l" defTabSz="914400" rtl="0" eaLnBrk="1" latinLnBrk="0" hangingPunct="1">
+      <a:defRPr sz="1200" kern="1200">
+        <a:solidFill>
+          <a:schemeClr val="tx1"/>
+        </a:solidFill>
+        <a:latin typeface="+mn-lt"/>
+        <a:ea typeface="+mn-ea"/>
+        <a:cs typeface="+mn-cs"/>
+      </a:defRPr>
+    </a:lvl6pPr>
+    <a:lvl7pPr marL="2743200" algn="l" defTabSz="914400" rtl="0" eaLnBrk="1" latinLnBrk="0" hangingPunct="1">
+      <a:defRPr sz="1200" kern="1200">
+        <a:solidFill>
+          <a:schemeClr val="tx1"/>
+        </a:solidFill>
+        <a:latin typeface="+mn-lt"/>
+        <a:ea typeface="+mn-ea"/>
+        <a:cs typeface="+mn-cs"/>
+      </a:defRPr>
+    </a:lvl7pPr>
+    <a:lvl8pPr marL="3200400" algn="l" defTabSz="914400" rtl="0" eaLnBrk="1" latinLnBrk="0" hangingPunct="1">
+      <a:defRPr sz="1200" kern="1200">
+        <a:solidFill>
+          <a:schemeClr val="tx1"/>
+        </a:solidFill>
+        <a:latin typeface="+mn-lt"/>
+        <a:ea typeface="+mn-ea"/>
+        <a:cs typeface="+mn-cs"/>
+      </a:defRPr>
+    </a:lvl8pPr>
+    <a:lvl9pPr marL="3657600" algn="l" defTabSz="914400" rtl="0" eaLnBrk="1" latinLnBrk="0" hangingPunct="1">
+      <a:defRPr sz="1200" kern="1200">
+        <a:solidFill>
+          <a:schemeClr val="tx1"/>
+        </a:solidFill>
+        <a:latin typeface="+mn-lt"/>
+        <a:ea typeface="+mn-ea"/>
+        <a:cs typeface="+mn-cs"/>
+      </a:defRPr>
+    </a:lvl9pPr>
+  </p:notesStyle>
+</p:notesMaster>
+</file>
+
+<file path=ppt/notesSlides/notesSlide1.xml><?xml version="1.0" encoding="utf-8"?>
+<p:notes xmlns:a="http://schemas.openxmlformats.org/drawingml/2006/main" xmlns:r="http://schemas.openxmlformats.org/officeDocument/2006/relationships" xmlns:p="http://schemas.openxmlformats.org/presentationml/2006/main">
+  <p:cSld>
+    <p:spTree>
+      <p:nvGrpSpPr>
+        <p:cNvPr id="1" name=""/>
+        <p:cNvGrpSpPr/>
+        <p:nvPr/>
+      </p:nvGrpSpPr>
+      <p:grpSpPr>
+        <a:xfrm>
+          <a:off x="0" y="0"/>
+          <a:ext cx="0" cy="0"/>
+          <a:chOff x="0" y="0"/>
+          <a:chExt cx="0" cy="0"/>
+        </a:xfrm>
+      </p:grpSpPr>
+      <p:sp>
+        <p:nvSpPr>
+          <p:cNvPr id="2" name="Slide Image Placeholder 1"/>
+          <p:cNvSpPr>
+            <a:spLocks noGrp="1" noRot="1" noChangeAspect="1"/>
+          </p:cNvSpPr>
+          <p:nvPr>
+            <p:ph type="sldImg"/>
+          </p:nvPr>
+        </p:nvSpPr>
+        <p:spPr/>
+      </p:sp>
+      <p:sp>
+        <p:nvSpPr>
+          <p:cNvPr id="3" name="Notes Placeholder 2"/>
+          <p:cNvSpPr>
+            <a:spLocks noGrp="1"/>
+          </p:cNvSpPr>
+          <p:nvPr>
+            <p:ph type="body" idx="1"/>
+          </p:nvPr>
+        </p:nvSpPr>
+        <p:spPr/>
+        <p:txBody>
+          <a:bodyPr/>
+          <a:lstStyle/>
+          <a:p>
+            <a:endParaRPr lang="en-US" dirty="0"/>
+          </a:p>
+        </p:txBody>
+      </p:sp>
+      <p:sp>
+        <p:nvSpPr>
+          <p:cNvPr id="4" name="Slide Number Placeholder 3"/>
+          <p:cNvSpPr>
+            <a:spLocks noGrp="1"/>
+          </p:cNvSpPr>
+          <p:nvPr>
+            <p:ph type="sldNum" sz="quarter" idx="5"/>
+          </p:nvPr>
+        </p:nvSpPr>
+        <p:spPr/>
+        <p:txBody>
+          <a:bodyPr/>
+          <a:lstStyle/>
+          <a:p>
+            <a:fld id="{F5D2763A-E56C-1A40-AA77-AA6C94D2BFE2}" type="slidenum">
+              <a:rPr lang="en-US" smtClean="0"/>
+              <a:t>3</a:t>
+            </a:fld>
+            <a:endParaRPr lang="en-US"/>
+          </a:p>
+        </p:txBody>
+      </p:sp>
+    </p:spTree>
+    <p:extLst>
+      <p:ext uri="{BB962C8B-B14F-4D97-AF65-F5344CB8AC3E}">
+        <p14:creationId xmlns:p14="http://schemas.microsoft.com/office/powerpoint/2010/main" val="2548429321"/>
+      </p:ext>
+    </p:extLst>
+  </p:cSld>
+  <p:clrMapOvr>
+    <a:masterClrMapping/>
+  </p:clrMapOvr>
+</p:notes>
 </file>
 
 <file path=ppt/slideLayouts/slideLayout1.xml><?xml version="1.0" encoding="utf-8"?>
@@ -3788,7 +4224,7 @@
           <p:nvPr/>
         </p:nvPicPr>
         <p:blipFill>
-          <a:blip r:embed="rId2"/>
+          <a:blip r:embed="rId3"/>
           <a:stretch>
             <a:fillRect/>
           </a:stretch>
@@ -4114,8 +4550,8 @@
         </p:nvSpPr>
         <p:spPr>
           <a:xfrm>
-            <a:off x="963386" y="5413512"/>
-            <a:ext cx="10850242" cy="1325563"/>
+            <a:off x="963386" y="4303274"/>
+            <a:ext cx="10850242" cy="2435801"/>
           </a:xfrm>
           <a:prstGeom prst="rect">
             <a:avLst/>
@@ -5394,41 +5830,24 @@
           <a:p>
             <a:r>
               <a:rPr lang="en-US" dirty="0"/>
-              <a:t>Let’s go back to the previous example</a:t>
-            </a:r>
-          </a:p>
-        </p:txBody>
-      </p:sp>
-      <p:pic>
-        <p:nvPicPr>
-          <p:cNvPr id="4" name="Picture 3" descr="Table&#10;&#10;Description automatically generated">
-            <a:extLst>
-              <a:ext uri="{FF2B5EF4-FFF2-40B4-BE49-F238E27FC236}">
-                <a16:creationId xmlns:a16="http://schemas.microsoft.com/office/drawing/2014/main" id="{D96CCEFF-4F69-A345-B871-08B1DE73E583}"/>
-              </a:ext>
-            </a:extLst>
-          </p:cNvPr>
-          <p:cNvPicPr>
-            <a:picLocks noChangeAspect="1"/>
-          </p:cNvPicPr>
-          <p:nvPr/>
-        </p:nvPicPr>
-        <p:blipFill>
-          <a:blip r:embed="rId2"/>
-          <a:stretch>
-            <a:fillRect/>
-          </a:stretch>
-        </p:blipFill>
-        <p:spPr>
-          <a:xfrm>
-            <a:off x="1010165" y="2521381"/>
-            <a:ext cx="3276600" cy="1562100"/>
-          </a:xfrm>
-          <a:prstGeom prst="rect">
-            <a:avLst/>
-          </a:prstGeom>
-        </p:spPr>
-      </p:pic>
+              <a:t>Let’s go back to the previous example:</a:t>
+            </a:r>
+            <a:br>
+              <a:rPr lang="en-US" dirty="0"/>
+            </a:br>
+            <a:endParaRPr lang="en-US" dirty="0"/>
+          </a:p>
+          <a:p>
+            <a:pPr marL="0" indent="0">
+              <a:buNone/>
+            </a:pPr>
+            <a:r>
+              <a:rPr lang="en-US" dirty="0"/>
+              <a:t>  Specify the sample size and the confidence level for the investigation of party attendants using the sliders. </a:t>
+            </a:r>
+          </a:p>
+        </p:txBody>
+      </p:sp>
       <p:graphicFrame>
         <p:nvGraphicFramePr>
           <p:cNvPr id="5" name="Table 9">
@@ -5646,45 +6065,6 @@
       </p:sp>
       <p:sp>
         <p:nvSpPr>
-          <p:cNvPr id="7" name="TextBox 6">
-            <a:extLst>
-              <a:ext uri="{FF2B5EF4-FFF2-40B4-BE49-F238E27FC236}">
-                <a16:creationId xmlns:a16="http://schemas.microsoft.com/office/drawing/2014/main" id="{75FC4CDC-4E81-FD4C-A2BD-39C81AEF1762}"/>
-              </a:ext>
-            </a:extLst>
-          </p:cNvPr>
-          <p:cNvSpPr txBox="1"/>
-          <p:nvPr/>
-        </p:nvSpPr>
-        <p:spPr>
-          <a:xfrm>
-            <a:off x="739346" y="4363534"/>
-            <a:ext cx="4318939" cy="369332"/>
-          </a:xfrm>
-          <a:prstGeom prst="rect">
-            <a:avLst/>
-          </a:prstGeom>
-          <a:noFill/>
-        </p:spPr>
-        <p:txBody>
-          <a:bodyPr wrap="none" rtlCol="0">
-            <a:spAutoFit/>
-          </a:bodyPr>
-          <a:lstStyle/>
-          <a:p>
-            <a:pPr marL="285750" indent="-285750">
-              <a:buFont typeface="Arial" panose="020B0604020202020204" pitchFamily="34" charset="0"/>
-              <a:buChar char="•"/>
-            </a:pPr>
-            <a:r>
-              <a:rPr lang="en-US" dirty="0"/>
-              <a:t>True OR = (24600*4663)/(16759*25288) </a:t>
-            </a:r>
-          </a:p>
-        </p:txBody>
-      </p:sp>
-      <p:sp>
-        <p:nvSpPr>
           <p:cNvPr id="8" name="TextBox 7">
             <a:extLst>
               <a:ext uri="{FF2B5EF4-FFF2-40B4-BE49-F238E27FC236}">
@@ -5757,13 +6137,13 @@
           <p:nvPr/>
         </p:nvPicPr>
         <p:blipFill rotWithShape="1">
-          <a:blip r:embed="rId3"/>
+          <a:blip r:embed="rId2"/>
           <a:srcRect b="53385"/>
           <a:stretch/>
         </p:blipFill>
         <p:spPr>
           <a:xfrm>
-            <a:off x="5329104" y="2069992"/>
+            <a:off x="5495152" y="3306251"/>
             <a:ext cx="2225993" cy="728170"/>
           </a:xfrm>
           <a:prstGeom prst="rect">
@@ -5773,35 +6153,6 @@
       </p:pic>
       <p:pic>
         <p:nvPicPr>
-          <p:cNvPr id="10" name="Picture 9" descr="Graphical user interface, application&#10;&#10;Description automatically generated">
-            <a:extLst>
-              <a:ext uri="{FF2B5EF4-FFF2-40B4-BE49-F238E27FC236}">
-                <a16:creationId xmlns:a16="http://schemas.microsoft.com/office/drawing/2014/main" id="{70AA04C5-A74F-5B4F-A16D-D3EE7E0FC44A}"/>
-              </a:ext>
-            </a:extLst>
-          </p:cNvPr>
-          <p:cNvPicPr>
-            <a:picLocks noChangeAspect="1"/>
-          </p:cNvPicPr>
-          <p:nvPr/>
-        </p:nvPicPr>
-        <p:blipFill rotWithShape="1">
-          <a:blip r:embed="rId3"/>
-          <a:srcRect t="46615" b="12606"/>
-          <a:stretch/>
-        </p:blipFill>
-        <p:spPr>
-          <a:xfrm>
-            <a:off x="7735404" y="2069992"/>
-            <a:ext cx="2225993" cy="637017"/>
-          </a:xfrm>
-          <a:prstGeom prst="rect">
-            <a:avLst/>
-          </a:prstGeom>
-        </p:spPr>
-      </p:pic>
-      <p:pic>
-        <p:nvPicPr>
           <p:cNvPr id="12" name="Picture 11" descr="Chart&#10;&#10;Description automatically generated">
             <a:extLst>
               <a:ext uri="{FF2B5EF4-FFF2-40B4-BE49-F238E27FC236}">
@@ -5815,14 +6166,14 @@
           <p:nvPr/>
         </p:nvPicPr>
         <p:blipFill>
-          <a:blip r:embed="rId4"/>
+          <a:blip r:embed="rId3"/>
           <a:stretch>
             <a:fillRect/>
           </a:stretch>
         </p:blipFill>
         <p:spPr>
           <a:xfrm>
-            <a:off x="5329104" y="2916724"/>
+            <a:off x="7721145" y="3251153"/>
             <a:ext cx="2225993" cy="817546"/>
           </a:xfrm>
           <a:prstGeom prst="rect">
@@ -5845,7 +6196,7 @@
           <p:nvPr/>
         </p:nvPicPr>
         <p:blipFill>
-          <a:blip r:embed="rId5"/>
+          <a:blip r:embed="rId4"/>
           <a:stretch>
             <a:fillRect/>
           </a:stretch>
@@ -5907,6 +6258,267 @@
           </a:p>
         </p:txBody>
       </p:sp>
+      <p:pic>
+        <p:nvPicPr>
+          <p:cNvPr id="19" name="Picture 18" descr="Table&#10;&#10;Description automatically generated">
+            <a:extLst>
+              <a:ext uri="{FF2B5EF4-FFF2-40B4-BE49-F238E27FC236}">
+                <a16:creationId xmlns:a16="http://schemas.microsoft.com/office/drawing/2014/main" id="{67BF44FF-F5E4-414E-A115-E6A45B1C9EC6}"/>
+              </a:ext>
+            </a:extLst>
+          </p:cNvPr>
+          <p:cNvPicPr>
+            <a:picLocks noChangeAspect="1"/>
+          </p:cNvPicPr>
+          <p:nvPr/>
+        </p:nvPicPr>
+        <p:blipFill>
+          <a:blip r:embed="rId5"/>
+          <a:stretch>
+            <a:fillRect/>
+          </a:stretch>
+        </p:blipFill>
+        <p:spPr>
+          <a:xfrm>
+            <a:off x="1341143" y="4240579"/>
+            <a:ext cx="3276600" cy="1562100"/>
+          </a:xfrm>
+          <a:prstGeom prst="rect">
+            <a:avLst/>
+          </a:prstGeom>
+        </p:spPr>
+      </p:pic>
+      <p:sp>
+        <p:nvSpPr>
+          <p:cNvPr id="20" name="TextBox 19">
+            <a:extLst>
+              <a:ext uri="{FF2B5EF4-FFF2-40B4-BE49-F238E27FC236}">
+                <a16:creationId xmlns:a16="http://schemas.microsoft.com/office/drawing/2014/main" id="{EA8B6DA8-2243-DF4F-B4DF-6E9B168559D5}"/>
+              </a:ext>
+            </a:extLst>
+          </p:cNvPr>
+          <p:cNvSpPr txBox="1"/>
+          <p:nvPr/>
+        </p:nvSpPr>
+        <p:spPr>
+          <a:xfrm>
+            <a:off x="895666" y="6279079"/>
+            <a:ext cx="4129785" cy="369332"/>
+          </a:xfrm>
+          <a:prstGeom prst="rect">
+            <a:avLst/>
+          </a:prstGeom>
+          <a:noFill/>
+        </p:spPr>
+        <p:txBody>
+          <a:bodyPr wrap="none" rtlCol="0">
+            <a:spAutoFit/>
+          </a:bodyPr>
+          <a:lstStyle/>
+          <a:p>
+            <a:pPr marL="285750" indent="-285750">
+              <a:buFont typeface="Arial" panose="020B0604020202020204" pitchFamily="34" charset="0"/>
+              <a:buChar char="•"/>
+            </a:pPr>
+            <a:r>
+              <a:rPr lang="en-US" dirty="0"/>
+              <a:t>True OR = (630*152)/(239*236) = 1.63 </a:t>
+            </a:r>
+          </a:p>
+        </p:txBody>
+      </p:sp>
+      <p:graphicFrame>
+        <p:nvGraphicFramePr>
+          <p:cNvPr id="21" name="Table 9">
+            <a:extLst>
+              <a:ext uri="{FF2B5EF4-FFF2-40B4-BE49-F238E27FC236}">
+                <a16:creationId xmlns:a16="http://schemas.microsoft.com/office/drawing/2014/main" id="{0AF9BE71-7CEB-4B4B-B918-9E945A0490A0}"/>
+              </a:ext>
+            </a:extLst>
+          </p:cNvPr>
+          <p:cNvGraphicFramePr>
+            <a:graphicFrameLocks noGrp="1"/>
+          </p:cNvGraphicFramePr>
+          <p:nvPr>
+            <p:extLst>
+              <p:ext uri="{D42A27DB-BD31-4B8C-83A1-F6EECF244321}">
+                <p14:modId xmlns:p14="http://schemas.microsoft.com/office/powerpoint/2010/main" val="3748709168"/>
+              </p:ext>
+            </p:extLst>
+          </p:nvPr>
+        </p:nvGraphicFramePr>
+        <p:xfrm>
+          <a:off x="1303374" y="5091001"/>
+          <a:ext cx="3314370" cy="1072308"/>
+        </p:xfrm>
+        <a:graphic>
+          <a:graphicData uri="http://schemas.openxmlformats.org/drawingml/2006/table">
+            <a:tbl>
+              <a:tblPr firstRow="1" bandRow="1">
+                <a:tableStyleId>{5C22544A-7EE6-4342-B048-85BDC9FD1C3A}</a:tableStyleId>
+              </a:tblPr>
+              <a:tblGrid>
+                <a:gridCol w="1104790">
+                  <a:extLst>
+                    <a:ext uri="{9D8B030D-6E8A-4147-A177-3AD203B41FA5}">
+                      <a16:colId xmlns:a16="http://schemas.microsoft.com/office/drawing/2014/main" val="1013477159"/>
+                    </a:ext>
+                  </a:extLst>
+                </a:gridCol>
+                <a:gridCol w="1104790">
+                  <a:extLst>
+                    <a:ext uri="{9D8B030D-6E8A-4147-A177-3AD203B41FA5}">
+                      <a16:colId xmlns:a16="http://schemas.microsoft.com/office/drawing/2014/main" val="2613880539"/>
+                    </a:ext>
+                  </a:extLst>
+                </a:gridCol>
+                <a:gridCol w="1104790">
+                  <a:extLst>
+                    <a:ext uri="{9D8B030D-6E8A-4147-A177-3AD203B41FA5}">
+                      <a16:colId xmlns:a16="http://schemas.microsoft.com/office/drawing/2014/main" val="2973438130"/>
+                    </a:ext>
+                  </a:extLst>
+                </a:gridCol>
+              </a:tblGrid>
+              <a:tr h="322794">
+                <a:tc>
+                  <a:txBody>
+                    <a:bodyPr/>
+                    <a:lstStyle/>
+                    <a:p>
+                      <a:endParaRPr lang="en-US" sz="1100" dirty="0"/>
+                    </a:p>
+                  </a:txBody>
+                  <a:tcPr/>
+                </a:tc>
+                <a:tc>
+                  <a:txBody>
+                    <a:bodyPr/>
+                    <a:lstStyle/>
+                    <a:p>
+                      <a:r>
+                        <a:rPr lang="en-US" sz="1100" dirty="0"/>
+                        <a:t>Got sick</a:t>
+                      </a:r>
+                    </a:p>
+                  </a:txBody>
+                  <a:tcPr/>
+                </a:tc>
+                <a:tc>
+                  <a:txBody>
+                    <a:bodyPr/>
+                    <a:lstStyle/>
+                    <a:p>
+                      <a:r>
+                        <a:rPr lang="en-US" sz="1100" dirty="0"/>
+                        <a:t>Did not get sick</a:t>
+                      </a:r>
+                    </a:p>
+                  </a:txBody>
+                  <a:tcPr/>
+                </a:tc>
+                <a:extLst>
+                  <a:ext uri="{0D108BD9-81ED-4DB2-BD59-A6C34878D82A}">
+                    <a16:rowId xmlns:a16="http://schemas.microsoft.com/office/drawing/2014/main" val="1136049243"/>
+                  </a:ext>
+                </a:extLst>
+              </a:tr>
+              <a:tr h="322794">
+                <a:tc>
+                  <a:txBody>
+                    <a:bodyPr/>
+                    <a:lstStyle/>
+                    <a:p>
+                      <a:r>
+                        <a:rPr lang="en-US" sz="1100" dirty="0"/>
+                        <a:t>Ate pizza</a:t>
+                      </a:r>
+                    </a:p>
+                  </a:txBody>
+                  <a:tcPr/>
+                </a:tc>
+                <a:tc>
+                  <a:txBody>
+                    <a:bodyPr/>
+                    <a:lstStyle/>
+                    <a:p>
+                      <a:r>
+                        <a:rPr lang="en-US" sz="1100" dirty="0"/>
+                        <a:t>630</a:t>
+                      </a:r>
+                    </a:p>
+                  </a:txBody>
+                  <a:tcPr/>
+                </a:tc>
+                <a:tc>
+                  <a:txBody>
+                    <a:bodyPr/>
+                    <a:lstStyle/>
+                    <a:p>
+                      <a:r>
+                        <a:rPr lang="en-US" sz="1100" dirty="0"/>
+                        <a:t>249</a:t>
+                      </a:r>
+                    </a:p>
+                  </a:txBody>
+                  <a:tcPr/>
+                </a:tc>
+                <a:extLst>
+                  <a:ext uri="{0D108BD9-81ED-4DB2-BD59-A6C34878D82A}">
+                    <a16:rowId xmlns:a16="http://schemas.microsoft.com/office/drawing/2014/main" val="3527997249"/>
+                  </a:ext>
+                </a:extLst>
+              </a:tr>
+              <a:tr h="322794">
+                <a:tc>
+                  <a:txBody>
+                    <a:bodyPr/>
+                    <a:lstStyle/>
+                    <a:p>
+                      <a:r>
+                        <a:rPr lang="en-US" sz="1100" dirty="0"/>
+                        <a:t>Did not eat pizza</a:t>
+                      </a:r>
+                    </a:p>
+                  </a:txBody>
+                  <a:tcPr/>
+                </a:tc>
+                <a:tc>
+                  <a:txBody>
+                    <a:bodyPr/>
+                    <a:lstStyle/>
+                    <a:p>
+                      <a:r>
+                        <a:rPr lang="en-US" sz="1100" dirty="0"/>
+                        <a:t>236</a:t>
+                      </a:r>
+                    </a:p>
+                  </a:txBody>
+                  <a:tcPr/>
+                </a:tc>
+                <a:tc>
+                  <a:txBody>
+                    <a:bodyPr/>
+                    <a:lstStyle/>
+                    <a:p>
+                      <a:r>
+                        <a:rPr lang="en-US" sz="1100" dirty="0"/>
+                        <a:t>152</a:t>
+                      </a:r>
+                    </a:p>
+                  </a:txBody>
+                  <a:tcPr/>
+                </a:tc>
+                <a:extLst>
+                  <a:ext uri="{0D108BD9-81ED-4DB2-BD59-A6C34878D82A}">
+                    <a16:rowId xmlns:a16="http://schemas.microsoft.com/office/drawing/2014/main" val="1300555"/>
+                  </a:ext>
+                </a:extLst>
+              </a:tr>
+            </a:tbl>
+          </a:graphicData>
+        </a:graphic>
+      </p:graphicFrame>
     </p:spTree>
     <p:extLst>
       <p:ext uri="{BB962C8B-B14F-4D97-AF65-F5344CB8AC3E}">
@@ -6551,4 +7163,299 @@
     </a:ext>
   </a:extLst>
 </a:theme>
+</file>
+
+<file path=ppt/theme/theme2.xml><?xml version="1.0" encoding="utf-8"?>
+<a:theme xmlns:a="http://schemas.openxmlformats.org/drawingml/2006/main" name="Office Theme">
+  <a:themeElements>
+    <a:clrScheme name="Office">
+      <a:dk1>
+        <a:sysClr val="windowText" lastClr="000000"/>
+      </a:dk1>
+      <a:lt1>
+        <a:sysClr val="window" lastClr="FFFFFF"/>
+      </a:lt1>
+      <a:dk2>
+        <a:srgbClr val="44546A"/>
+      </a:dk2>
+      <a:lt2>
+        <a:srgbClr val="E7E6E6"/>
+      </a:lt2>
+      <a:accent1>
+        <a:srgbClr val="4472C4"/>
+      </a:accent1>
+      <a:accent2>
+        <a:srgbClr val="ED7D31"/>
+      </a:accent2>
+      <a:accent3>
+        <a:srgbClr val="A5A5A5"/>
+      </a:accent3>
+      <a:accent4>
+        <a:srgbClr val="FFC000"/>
+      </a:accent4>
+      <a:accent5>
+        <a:srgbClr val="5B9BD5"/>
+      </a:accent5>
+      <a:accent6>
+        <a:srgbClr val="70AD47"/>
+      </a:accent6>
+      <a:hlink>
+        <a:srgbClr val="0563C1"/>
+      </a:hlink>
+      <a:folHlink>
+        <a:srgbClr val="954F72"/>
+      </a:folHlink>
+    </a:clrScheme>
+    <a:fontScheme name="Office">
+      <a:majorFont>
+        <a:latin typeface="Calibri Light" panose="020F0302020204030204"/>
+        <a:ea typeface=""/>
+        <a:cs typeface=""/>
+        <a:font script="Jpan" typeface="游ゴシック Light"/>
+        <a:font script="Hang" typeface="맑은 고딕"/>
+        <a:font script="Hans" typeface="等线 Light"/>
+        <a:font script="Hant" typeface="新細明體"/>
+        <a:font script="Arab" typeface="Times New Roman"/>
+        <a:font script="Hebr" typeface="Times New Roman"/>
+        <a:font script="Thai" typeface="Angsana New"/>
+        <a:font script="Ethi" typeface="Nyala"/>
+        <a:font script="Beng" typeface="Vrinda"/>
+        <a:font script="Gujr" typeface="Shruti"/>
+        <a:font script="Khmr" typeface="MoolBoran"/>
+        <a:font script="Knda" typeface="Tunga"/>
+        <a:font script="Guru" typeface="Raavi"/>
+        <a:font script="Cans" typeface="Euphemia"/>
+        <a:font script="Cher" typeface="Plantagenet Cherokee"/>
+        <a:font script="Yiii" typeface="Microsoft Yi Baiti"/>
+        <a:font script="Tibt" typeface="Microsoft Himalaya"/>
+        <a:font script="Thaa" typeface="MV Boli"/>
+        <a:font script="Deva" typeface="Mangal"/>
+        <a:font script="Telu" typeface="Gautami"/>
+        <a:font script="Taml" typeface="Latha"/>
+        <a:font script="Syrc" typeface="Estrangelo Edessa"/>
+        <a:font script="Orya" typeface="Kalinga"/>
+        <a:font script="Mlym" typeface="Kartika"/>
+        <a:font script="Laoo" typeface="DokChampa"/>
+        <a:font script="Sinh" typeface="Iskoola Pota"/>
+        <a:font script="Mong" typeface="Mongolian Baiti"/>
+        <a:font script="Viet" typeface="Times New Roman"/>
+        <a:font script="Uigh" typeface="Microsoft Uighur"/>
+        <a:font script="Geor" typeface="Sylfaen"/>
+        <a:font script="Armn" typeface="Arial"/>
+        <a:font script="Bugi" typeface="Leelawadee UI"/>
+        <a:font script="Bopo" typeface="Microsoft JhengHei"/>
+        <a:font script="Java" typeface="Javanese Text"/>
+        <a:font script="Lisu" typeface="Segoe UI"/>
+        <a:font script="Mymr" typeface="Myanmar Text"/>
+        <a:font script="Nkoo" typeface="Ebrima"/>
+        <a:font script="Olck" typeface="Nirmala UI"/>
+        <a:font script="Osma" typeface="Ebrima"/>
+        <a:font script="Phag" typeface="Phagspa"/>
+        <a:font script="Syrn" typeface="Estrangelo Edessa"/>
+        <a:font script="Syrj" typeface="Estrangelo Edessa"/>
+        <a:font script="Syre" typeface="Estrangelo Edessa"/>
+        <a:font script="Sora" typeface="Nirmala UI"/>
+        <a:font script="Tale" typeface="Microsoft Tai Le"/>
+        <a:font script="Talu" typeface="Microsoft New Tai Lue"/>
+        <a:font script="Tfng" typeface="Ebrima"/>
+      </a:majorFont>
+      <a:minorFont>
+        <a:latin typeface="Calibri" panose="020F0502020204030204"/>
+        <a:ea typeface=""/>
+        <a:cs typeface=""/>
+        <a:font script="Jpan" typeface="游ゴシック"/>
+        <a:font script="Hang" typeface="맑은 고딕"/>
+        <a:font script="Hans" typeface="等线"/>
+        <a:font script="Hant" typeface="新細明體"/>
+        <a:font script="Arab" typeface="Arial"/>
+        <a:font script="Hebr" typeface="Arial"/>
+        <a:font script="Thai" typeface="Cordia New"/>
+        <a:font script="Ethi" typeface="Nyala"/>
+        <a:font script="Beng" typeface="Vrinda"/>
+        <a:font script="Gujr" typeface="Shruti"/>
+        <a:font script="Khmr" typeface="DaunPenh"/>
+        <a:font script="Knda" typeface="Tunga"/>
+        <a:font script="Guru" typeface="Raavi"/>
+        <a:font script="Cans" typeface="Euphemia"/>
+        <a:font script="Cher" typeface="Plantagenet Cherokee"/>
+        <a:font script="Yiii" typeface="Microsoft Yi Baiti"/>
+        <a:font script="Tibt" typeface="Microsoft Himalaya"/>
+        <a:font script="Thaa" typeface="MV Boli"/>
+        <a:font script="Deva" typeface="Mangal"/>
+        <a:font script="Telu" typeface="Gautami"/>
+        <a:font script="Taml" typeface="Latha"/>
+        <a:font script="Syrc" typeface="Estrangelo Edessa"/>
+        <a:font script="Orya" typeface="Kalinga"/>
+        <a:font script="Mlym" typeface="Kartika"/>
+        <a:font script="Laoo" typeface="DokChampa"/>
+        <a:font script="Sinh" typeface="Iskoola Pota"/>
+        <a:font script="Mong" typeface="Mongolian Baiti"/>
+        <a:font script="Viet" typeface="Arial"/>
+        <a:font script="Uigh" typeface="Microsoft Uighur"/>
+        <a:font script="Geor" typeface="Sylfaen"/>
+        <a:font script="Armn" typeface="Arial"/>
+        <a:font script="Bugi" typeface="Leelawadee UI"/>
+        <a:font script="Bopo" typeface="Microsoft JhengHei"/>
+        <a:font script="Java" typeface="Javanese Text"/>
+        <a:font script="Lisu" typeface="Segoe UI"/>
+        <a:font script="Mymr" typeface="Myanmar Text"/>
+        <a:font script="Nkoo" typeface="Ebrima"/>
+        <a:font script="Olck" typeface="Nirmala UI"/>
+        <a:font script="Osma" typeface="Ebrima"/>
+        <a:font script="Phag" typeface="Phagspa"/>
+        <a:font script="Syrn" typeface="Estrangelo Edessa"/>
+        <a:font script="Syrj" typeface="Estrangelo Edessa"/>
+        <a:font script="Syre" typeface="Estrangelo Edessa"/>
+        <a:font script="Sora" typeface="Nirmala UI"/>
+        <a:font script="Tale" typeface="Microsoft Tai Le"/>
+        <a:font script="Talu" typeface="Microsoft New Tai Lue"/>
+        <a:font script="Tfng" typeface="Ebrima"/>
+      </a:minorFont>
+    </a:fontScheme>
+    <a:fmtScheme name="Office">
+      <a:fillStyleLst>
+        <a:solidFill>
+          <a:schemeClr val="phClr"/>
+        </a:solidFill>
+        <a:gradFill rotWithShape="1">
+          <a:gsLst>
+            <a:gs pos="0">
+              <a:schemeClr val="phClr">
+                <a:lumMod val="110000"/>
+                <a:satMod val="105000"/>
+                <a:tint val="67000"/>
+              </a:schemeClr>
+            </a:gs>
+            <a:gs pos="50000">
+              <a:schemeClr val="phClr">
+                <a:lumMod val="105000"/>
+                <a:satMod val="103000"/>
+                <a:tint val="73000"/>
+              </a:schemeClr>
+            </a:gs>
+            <a:gs pos="100000">
+              <a:schemeClr val="phClr">
+                <a:lumMod val="105000"/>
+                <a:satMod val="109000"/>
+                <a:tint val="81000"/>
+              </a:schemeClr>
+            </a:gs>
+          </a:gsLst>
+          <a:lin ang="5400000" scaled="0"/>
+        </a:gradFill>
+        <a:gradFill rotWithShape="1">
+          <a:gsLst>
+            <a:gs pos="0">
+              <a:schemeClr val="phClr">
+                <a:satMod val="103000"/>
+                <a:lumMod val="102000"/>
+                <a:tint val="94000"/>
+              </a:schemeClr>
+            </a:gs>
+            <a:gs pos="50000">
+              <a:schemeClr val="phClr">
+                <a:satMod val="110000"/>
+                <a:lumMod val="100000"/>
+                <a:shade val="100000"/>
+              </a:schemeClr>
+            </a:gs>
+            <a:gs pos="100000">
+              <a:schemeClr val="phClr">
+                <a:lumMod val="99000"/>
+                <a:satMod val="120000"/>
+                <a:shade val="78000"/>
+              </a:schemeClr>
+            </a:gs>
+          </a:gsLst>
+          <a:lin ang="5400000" scaled="0"/>
+        </a:gradFill>
+      </a:fillStyleLst>
+      <a:lnStyleLst>
+        <a:ln w="6350" cap="flat" cmpd="sng" algn="ctr">
+          <a:solidFill>
+            <a:schemeClr val="phClr"/>
+          </a:solidFill>
+          <a:prstDash val="solid"/>
+          <a:miter lim="800000"/>
+        </a:ln>
+        <a:ln w="12700" cap="flat" cmpd="sng" algn="ctr">
+          <a:solidFill>
+            <a:schemeClr val="phClr"/>
+          </a:solidFill>
+          <a:prstDash val="solid"/>
+          <a:miter lim="800000"/>
+        </a:ln>
+        <a:ln w="19050" cap="flat" cmpd="sng" algn="ctr">
+          <a:solidFill>
+            <a:schemeClr val="phClr"/>
+          </a:solidFill>
+          <a:prstDash val="solid"/>
+          <a:miter lim="800000"/>
+        </a:ln>
+      </a:lnStyleLst>
+      <a:effectStyleLst>
+        <a:effectStyle>
+          <a:effectLst/>
+        </a:effectStyle>
+        <a:effectStyle>
+          <a:effectLst/>
+        </a:effectStyle>
+        <a:effectStyle>
+          <a:effectLst>
+            <a:outerShdw blurRad="57150" dist="19050" dir="5400000" algn="ctr" rotWithShape="0">
+              <a:srgbClr val="000000">
+                <a:alpha val="63000"/>
+              </a:srgbClr>
+            </a:outerShdw>
+          </a:effectLst>
+        </a:effectStyle>
+      </a:effectStyleLst>
+      <a:bgFillStyleLst>
+        <a:solidFill>
+          <a:schemeClr val="phClr"/>
+        </a:solidFill>
+        <a:solidFill>
+          <a:schemeClr val="phClr">
+            <a:tint val="95000"/>
+            <a:satMod val="170000"/>
+          </a:schemeClr>
+        </a:solidFill>
+        <a:gradFill rotWithShape="1">
+          <a:gsLst>
+            <a:gs pos="0">
+              <a:schemeClr val="phClr">
+                <a:tint val="93000"/>
+                <a:satMod val="150000"/>
+                <a:shade val="98000"/>
+                <a:lumMod val="102000"/>
+              </a:schemeClr>
+            </a:gs>
+            <a:gs pos="50000">
+              <a:schemeClr val="phClr">
+                <a:tint val="98000"/>
+                <a:satMod val="130000"/>
+                <a:shade val="90000"/>
+                <a:lumMod val="103000"/>
+              </a:schemeClr>
+            </a:gs>
+            <a:gs pos="100000">
+              <a:schemeClr val="phClr">
+                <a:shade val="63000"/>
+                <a:satMod val="120000"/>
+              </a:schemeClr>
+            </a:gs>
+          </a:gsLst>
+          <a:lin ang="5400000" scaled="0"/>
+        </a:gradFill>
+      </a:bgFillStyleLst>
+    </a:fmtScheme>
+  </a:themeElements>
+  <a:objectDefaults/>
+  <a:extraClrSchemeLst/>
+  <a:extLst>
+    <a:ext uri="{05A4C25C-085E-4340-85A3-A5531E510DB2}">
+      <thm15:themeFamily xmlns:thm15="http://schemas.microsoft.com/office/thememl/2012/main" name="Office Theme" id="{62F939B6-93AF-4DB8-9C6B-D6C7DFDC589F}" vid="{4A3C46E8-61CC-4603-A589-7422A47A8E4A}"/>
+    </a:ext>
+  </a:extLst>
+</a:theme>
 </file>